--- a/Lect_9.pptx
+++ b/Lect_9.pptx
@@ -5,7 +5,7 @@
     <p:sldMasterId id="2147483648" r:id="rId1"/>
   </p:sldMasterIdLst>
   <p:notesMasterIdLst>
-    <p:notesMasterId r:id="rId41"/>
+    <p:notesMasterId r:id="rId42"/>
   </p:notesMasterIdLst>
   <p:sldIdLst>
     <p:sldId id="256" r:id="rId2"/>
@@ -44,9 +44,10 @@
     <p:sldId id="310" r:id="rId35"/>
     <p:sldId id="311" r:id="rId36"/>
     <p:sldId id="312" r:id="rId37"/>
-    <p:sldId id="263" r:id="rId38"/>
-    <p:sldId id="297" r:id="rId39"/>
-    <p:sldId id="982" r:id="rId40"/>
+    <p:sldId id="983" r:id="rId38"/>
+    <p:sldId id="263" r:id="rId39"/>
+    <p:sldId id="297" r:id="rId40"/>
+    <p:sldId id="982" r:id="rId41"/>
   </p:sldIdLst>
   <p:sldSz cx="9144000" cy="6858000" type="screen4x3"/>
   <p:notesSz cx="6858000" cy="9144000"/>
@@ -1564,7 +1565,7 @@
             <a:fld id="{901D3442-6686-4D54-912D-8C239AB9275F}" type="slidenum">
               <a:rPr lang="en-US" smtClean="0"/>
               <a:pPr/>
-              <a:t>37</a:t>
+              <a:t>38</a:t>
             </a:fld>
             <a:endParaRPr lang="en-US"/>
           </a:p>
@@ -1646,7 +1647,7 @@
             <a:fld id="{901D3442-6686-4D54-912D-8C239AB9275F}" type="slidenum">
               <a:rPr lang="en-US" smtClean="0"/>
               <a:pPr/>
-              <a:t>38</a:t>
+              <a:t>39</a:t>
             </a:fld>
             <a:endParaRPr lang="en-US"/>
           </a:p>
@@ -7749,8 +7750,8 @@
           <a:chExt cx="0" cy="0"/>
         </a:xfrm>
       </p:grpSpPr>
-      <mc:AlternateContent xmlns:mc="http://schemas.openxmlformats.org/markup-compatibility/2006">
-        <mc:Choice xmlns:a14="http://schemas.microsoft.com/office/drawing/2010/main" Requires="a14">
+      <mc:AlternateContent xmlns:mc="http://schemas.openxmlformats.org/markup-compatibility/2006" xmlns:a14="http://schemas.microsoft.com/office/drawing/2010/main">
+        <mc:Choice Requires="a14">
           <p:sp>
             <p:nvSpPr>
               <p:cNvPr id="18" name="Rectangle 15">
@@ -8196,7 +8197,7 @@
                       <m:f>
                         <m:fPr>
                           <m:ctrlPr>
-                            <a:rPr kumimoji="0" lang="en-US" altLang="en-US" sz="2800" b="0" u="none" strike="noStrike" cap="none" normalizeH="0" baseline="0" smtClean="0">
+                            <a:rPr kumimoji="0" lang="en-US" altLang="en-US" sz="2800" b="0" i="1" u="none" strike="noStrike" cap="none" normalizeH="0" baseline="0" smtClean="0">
                               <a:ln>
                                 <a:noFill/>
                               </a:ln>
@@ -8765,7 +8766,7 @@
                       <m:f>
                         <m:fPr>
                           <m:ctrlPr>
-                            <a:rPr kumimoji="0" lang="en-NZ" altLang="en-US" sz="2800" b="0" u="none" strike="noStrike" cap="none" normalizeH="0" baseline="0" smtClean="0">
+                            <a:rPr kumimoji="0" lang="en-NZ" altLang="en-US" sz="2800" b="0" i="1" u="none" strike="noStrike" cap="none" normalizeH="0" baseline="0" smtClean="0">
                               <a:ln>
                                 <a:noFill/>
                               </a:ln>
@@ -9549,7 +9550,7 @@
             </p:txBody>
           </p:sp>
         </mc:Choice>
-        <mc:Fallback>
+        <mc:Fallback xmlns="">
           <p:sp>
             <p:nvSpPr>
               <p:cNvPr id="18" name="Rectangle 15">
@@ -24019,35 +24020,13 @@
       </p:grpSpPr>
       <p:sp>
         <p:nvSpPr>
-          <p:cNvPr id="2" name="Title 1"/>
-          <p:cNvSpPr>
-            <a:spLocks noGrp="1"/>
-          </p:cNvSpPr>
-          <p:nvPr>
-            <p:ph type="title"/>
-          </p:nvPr>
-        </p:nvSpPr>
-        <p:spPr/>
-        <p:txBody>
-          <a:bodyPr/>
-          <a:lstStyle/>
-          <a:p>
-            <a:pPr algn="just"/>
-            <a:r>
-              <a:rPr lang="en-US" dirty="0">
-                <a:solidFill>
-                  <a:srgbClr val="C00000"/>
-                </a:solidFill>
-                <a:latin typeface="Corbel" panose="020B0503020204020204" pitchFamily="34" charset="0"/>
-              </a:rPr>
-              <a:t>Conclusion</a:t>
-            </a:r>
-          </a:p>
-        </p:txBody>
-      </p:sp>
-      <p:sp>
-        <p:nvSpPr>
-          <p:cNvPr id="3" name="Content Placeholder 2"/>
+          <p:cNvPr id="3" name="Content Placeholder 2">
+            <a:extLst>
+              <a:ext uri="{FF2B5EF4-FFF2-40B4-BE49-F238E27FC236}">
+                <a16:creationId xmlns:a16="http://schemas.microsoft.com/office/drawing/2014/main" id="{DF02A886-C600-EB4E-B89C-28E072149C2A}"/>
+              </a:ext>
+            </a:extLst>
+          </p:cNvPr>
           <p:cNvSpPr>
             <a:spLocks noGrp="1"/>
           </p:cNvSpPr>
@@ -24057,41 +24036,64 @@
         </p:nvSpPr>
         <p:spPr/>
         <p:txBody>
-          <a:bodyPr/>
+          <a:bodyPr>
+            <a:normAutofit/>
+          </a:bodyPr>
           <a:lstStyle/>
           <a:p>
-            <a:pPr algn="just"/>
-            <a:r>
-              <a:rPr lang="en-US" dirty="0">
+            <a:pPr algn="just">
+              <a:lnSpc>
+                <a:spcPct val="120000"/>
+              </a:lnSpc>
+              <a:spcAft>
+                <a:spcPts val="800"/>
+              </a:spcAft>
+            </a:pPr>
+            <a:r>
+              <a:rPr lang="en-NZ" sz="2800" kern="100" dirty="0">
+                <a:effectLst/>
                 <a:latin typeface="Corbel" panose="020B0503020204020204" pitchFamily="34" charset="0"/>
-              </a:rPr>
-              <a:t>Monte Carlo provides a numerical method to obtain an estimate for a solution that needs to be close, but not necessarily exact.</a:t>
-            </a:r>
-          </a:p>
-          <a:p>
-            <a:pPr algn="just"/>
-            <a:endParaRPr lang="en-US" dirty="0">
-              <a:latin typeface="Corbel" panose="020B0503020204020204" pitchFamily="34" charset="0"/>
-            </a:endParaRPr>
-          </a:p>
-          <a:p>
-            <a:pPr algn="just"/>
-            <a:r>
-              <a:rPr lang="en-US" dirty="0">
+                <a:ea typeface="Calibri" panose="020F0502020204030204" pitchFamily="34" charset="0"/>
+                <a:cs typeface="Times New Roman" panose="02020603050405020304" pitchFamily="18" charset="0"/>
+              </a:rPr>
+              <a:t>Print the estimated average response time rounded to two decimal places.</a:t>
+            </a:r>
+          </a:p>
+          <a:p>
+            <a:pPr algn="just">
+              <a:lnSpc>
+                <a:spcPct val="120000"/>
+              </a:lnSpc>
+              <a:spcAft>
+                <a:spcPts val="800"/>
+              </a:spcAft>
+            </a:pPr>
+            <a:r>
+              <a:rPr lang="en-NZ" sz="2800" kern="100" dirty="0">
+                <a:effectLst/>
                 <a:latin typeface="Corbel" panose="020B0503020204020204" pitchFamily="34" charset="0"/>
-              </a:rPr>
-              <a:t>We showed two specific examples, but the applications of Monte Carlo are very diverse</a:t>
-            </a:r>
-          </a:p>
-          <a:p>
-            <a:pPr algn="just"/>
-            <a:endParaRPr lang="en-US" dirty="0">
+                <a:ea typeface="Calibri" panose="020F0502020204030204" pitchFamily="34" charset="0"/>
+                <a:cs typeface="Times New Roman" panose="02020603050405020304" pitchFamily="18" charset="0"/>
+              </a:rPr>
+              <a:t>This algorithm and R codes provide a structured overview of the steps involved in the Monte Carlo simulation, from generating simulated response times to computing the average response time as an estimation for server performance analysis.</a:t>
+            </a:r>
+          </a:p>
+          <a:p>
+            <a:pPr marL="0" indent="0" algn="just">
+              <a:buNone/>
+            </a:pPr>
+            <a:endParaRPr lang="en-NZ" sz="2800" dirty="0">
               <a:latin typeface="Corbel" panose="020B0503020204020204" pitchFamily="34" charset="0"/>
             </a:endParaRPr>
           </a:p>
         </p:txBody>
       </p:sp>
     </p:spTree>
+    <p:extLst>
+      <p:ext uri="{BB962C8B-B14F-4D97-AF65-F5344CB8AC3E}">
+        <p14:creationId xmlns:p14="http://schemas.microsoft.com/office/powerpoint/2010/main" val="1505571292"/>
+      </p:ext>
+    </p:extLst>
   </p:cSld>
   <p:clrMapOvr>
     <a:masterClrMapping/>
@@ -24131,6 +24133,105 @@
           <a:bodyPr/>
           <a:lstStyle/>
           <a:p>
+            <a:pPr algn="just"/>
+            <a:r>
+              <a:rPr lang="en-US" dirty="0">
+                <a:solidFill>
+                  <a:srgbClr val="C00000"/>
+                </a:solidFill>
+                <a:latin typeface="Corbel" panose="020B0503020204020204" pitchFamily="34" charset="0"/>
+              </a:rPr>
+              <a:t>Conclusion</a:t>
+            </a:r>
+          </a:p>
+        </p:txBody>
+      </p:sp>
+      <p:sp>
+        <p:nvSpPr>
+          <p:cNvPr id="3" name="Content Placeholder 2"/>
+          <p:cNvSpPr>
+            <a:spLocks noGrp="1"/>
+          </p:cNvSpPr>
+          <p:nvPr>
+            <p:ph idx="1"/>
+          </p:nvPr>
+        </p:nvSpPr>
+        <p:spPr/>
+        <p:txBody>
+          <a:bodyPr/>
+          <a:lstStyle/>
+          <a:p>
+            <a:pPr algn="just"/>
+            <a:r>
+              <a:rPr lang="en-US" dirty="0">
+                <a:latin typeface="Corbel" panose="020B0503020204020204" pitchFamily="34" charset="0"/>
+              </a:rPr>
+              <a:t>Monte Carlo provides a numerical method to obtain an estimate for a solution that needs to be close, but not necessarily exact.</a:t>
+            </a:r>
+          </a:p>
+          <a:p>
+            <a:pPr algn="just"/>
+            <a:endParaRPr lang="en-US" dirty="0">
+              <a:latin typeface="Corbel" panose="020B0503020204020204" pitchFamily="34" charset="0"/>
+            </a:endParaRPr>
+          </a:p>
+          <a:p>
+            <a:pPr algn="just"/>
+            <a:r>
+              <a:rPr lang="en-US" dirty="0">
+                <a:latin typeface="Corbel" panose="020B0503020204020204" pitchFamily="34" charset="0"/>
+              </a:rPr>
+              <a:t>We showed two specific examples, but the applications of Monte Carlo are very diverse</a:t>
+            </a:r>
+          </a:p>
+          <a:p>
+            <a:pPr algn="just"/>
+            <a:endParaRPr lang="en-US" dirty="0">
+              <a:latin typeface="Corbel" panose="020B0503020204020204" pitchFamily="34" charset="0"/>
+            </a:endParaRPr>
+          </a:p>
+        </p:txBody>
+      </p:sp>
+    </p:spTree>
+  </p:cSld>
+  <p:clrMapOvr>
+    <a:masterClrMapping/>
+  </p:clrMapOvr>
+</p:sld>
+</file>
+
+<file path=ppt/slides/slide39.xml><?xml version="1.0" encoding="utf-8"?>
+<p:sld xmlns:a="http://schemas.openxmlformats.org/drawingml/2006/main" xmlns:r="http://schemas.openxmlformats.org/officeDocument/2006/relationships" xmlns:p="http://schemas.openxmlformats.org/presentationml/2006/main">
+  <p:cSld>
+    <p:spTree>
+      <p:nvGrpSpPr>
+        <p:cNvPr id="1" name=""/>
+        <p:cNvGrpSpPr/>
+        <p:nvPr/>
+      </p:nvGrpSpPr>
+      <p:grpSpPr>
+        <a:xfrm>
+          <a:off x="0" y="0"/>
+          <a:ext cx="0" cy="0"/>
+          <a:chOff x="0" y="0"/>
+          <a:chExt cx="0" cy="0"/>
+        </a:xfrm>
+      </p:grpSpPr>
+      <p:sp>
+        <p:nvSpPr>
+          <p:cNvPr id="2" name="Title 1"/>
+          <p:cNvSpPr>
+            <a:spLocks noGrp="1"/>
+          </p:cNvSpPr>
+          <p:nvPr>
+            <p:ph type="title"/>
+          </p:nvPr>
+        </p:nvSpPr>
+        <p:spPr/>
+        <p:txBody>
+          <a:bodyPr/>
+          <a:lstStyle/>
+          <a:p>
             <a:r>
               <a:rPr lang="en-US" dirty="0"/>
               <a:t>Sources:</a:t>
@@ -24360,7 +24461,157 @@
 </p:sld>
 </file>
 
-<file path=ppt/slides/slide39.xml><?xml version="1.0" encoding="utf-8"?>
+<file path=ppt/slides/slide4.xml><?xml version="1.0" encoding="utf-8"?>
+<p:sld xmlns:a="http://schemas.openxmlformats.org/drawingml/2006/main" xmlns:r="http://schemas.openxmlformats.org/officeDocument/2006/relationships" xmlns:p="http://schemas.openxmlformats.org/presentationml/2006/main">
+  <p:cSld>
+    <p:spTree>
+      <p:nvGrpSpPr>
+        <p:cNvPr id="1" name=""/>
+        <p:cNvGrpSpPr/>
+        <p:nvPr/>
+      </p:nvGrpSpPr>
+      <p:grpSpPr>
+        <a:xfrm>
+          <a:off x="0" y="0"/>
+          <a:ext cx="0" cy="0"/>
+          <a:chOff x="0" y="0"/>
+          <a:chExt cx="0" cy="0"/>
+        </a:xfrm>
+      </p:grpSpPr>
+      <p:sp>
+        <p:nvSpPr>
+          <p:cNvPr id="2" name="Title 1"/>
+          <p:cNvSpPr>
+            <a:spLocks noGrp="1"/>
+          </p:cNvSpPr>
+          <p:nvPr>
+            <p:ph type="title"/>
+          </p:nvPr>
+        </p:nvSpPr>
+        <p:spPr/>
+        <p:txBody>
+          <a:bodyPr/>
+          <a:lstStyle/>
+          <a:p>
+            <a:r>
+              <a:rPr lang="en-US" dirty="0">
+                <a:latin typeface="Corbel" panose="020B0503020204020204" pitchFamily="34" charset="0"/>
+              </a:rPr>
+              <a:t>Monte Carlo In A Nutshell</a:t>
+            </a:r>
+          </a:p>
+        </p:txBody>
+      </p:sp>
+      <p:sp>
+        <p:nvSpPr>
+          <p:cNvPr id="3" name="Content Placeholder 2"/>
+          <p:cNvSpPr>
+            <a:spLocks noGrp="1"/>
+          </p:cNvSpPr>
+          <p:nvPr>
+            <p:ph idx="1"/>
+          </p:nvPr>
+        </p:nvSpPr>
+        <p:spPr/>
+        <p:txBody>
+          <a:bodyPr/>
+          <a:lstStyle/>
+          <a:p>
+            <a:r>
+              <a:rPr lang="en-US" dirty="0">
+                <a:latin typeface="Corbel" panose="020B0503020204020204" pitchFamily="34" charset="0"/>
+              </a:rPr>
+              <a:t>Using a large number of simulated trials in order to  approximate a solution to a problem</a:t>
+            </a:r>
+          </a:p>
+          <a:p>
+            <a:r>
+              <a:rPr lang="en-US" dirty="0">
+                <a:latin typeface="Corbel" panose="020B0503020204020204" pitchFamily="34" charset="0"/>
+              </a:rPr>
+              <a:t>Generating random numbers</a:t>
+            </a:r>
+          </a:p>
+          <a:p>
+            <a:pPr lvl="1"/>
+            <a:r>
+              <a:rPr lang="en-US" dirty="0">
+                <a:latin typeface="Corbel" panose="020B0503020204020204" pitchFamily="34" charset="0"/>
+              </a:rPr>
+              <a:t>Computer not required, though extremely helpful  </a:t>
+            </a:r>
+          </a:p>
+          <a:p>
+            <a:pPr lvl="1">
+              <a:buNone/>
+            </a:pPr>
+            <a:endParaRPr lang="en-US" dirty="0">
+              <a:latin typeface="Corbel" panose="020B0503020204020204" pitchFamily="34" charset="0"/>
+            </a:endParaRPr>
+          </a:p>
+        </p:txBody>
+      </p:sp>
+      <p:pic>
+        <p:nvPicPr>
+          <p:cNvPr id="3074" name="Picture 2" descr="C:\Users\Stew\AppData\Local\Microsoft\Windows\Temporary Internet Files\Content.IE5\3U11F6ZG\MC900434786[1].png"/>
+          <p:cNvPicPr>
+            <a:picLocks noChangeAspect="1" noChangeArrowheads="1"/>
+          </p:cNvPicPr>
+          <p:nvPr/>
+        </p:nvPicPr>
+        <p:blipFill>
+          <a:blip r:embed="rId3" cstate="print"/>
+          <a:srcRect/>
+          <a:stretch>
+            <a:fillRect/>
+          </a:stretch>
+        </p:blipFill>
+        <p:spPr bwMode="auto">
+          <a:xfrm>
+            <a:off x="6542088" y="4289425"/>
+            <a:ext cx="1828800" cy="1828800"/>
+          </a:xfrm>
+          <a:prstGeom prst="rect">
+            <a:avLst/>
+          </a:prstGeom>
+          <a:noFill/>
+        </p:spPr>
+      </p:pic>
+      <p:pic>
+        <p:nvPicPr>
+          <p:cNvPr id="3075" name="Picture 3" descr="C:\Program Files\Microsoft Office\MEDIA\CAGCAT10\j0285750.wmf"/>
+          <p:cNvPicPr>
+            <a:picLocks noChangeAspect="1" noChangeArrowheads="1"/>
+          </p:cNvPicPr>
+          <p:nvPr/>
+        </p:nvPicPr>
+        <p:blipFill>
+          <a:blip r:embed="rId4" cstate="print"/>
+          <a:srcRect/>
+          <a:stretch>
+            <a:fillRect/>
+          </a:stretch>
+        </p:blipFill>
+        <p:spPr bwMode="auto">
+          <a:xfrm>
+            <a:off x="2063750" y="4629150"/>
+            <a:ext cx="1824038" cy="1120775"/>
+          </a:xfrm>
+          <a:prstGeom prst="rect">
+            <a:avLst/>
+          </a:prstGeom>
+          <a:noFill/>
+        </p:spPr>
+      </p:pic>
+    </p:spTree>
+  </p:cSld>
+  <p:clrMapOvr>
+    <a:masterClrMapping/>
+  </p:clrMapOvr>
+</p:sld>
+</file>
+
+<file path=ppt/slides/slide40.xml><?xml version="1.0" encoding="utf-8"?>
 <p:sld xmlns:a="http://schemas.openxmlformats.org/drawingml/2006/main" xmlns:r="http://schemas.openxmlformats.org/officeDocument/2006/relationships" xmlns:p="http://schemas.openxmlformats.org/presentationml/2006/main">
   <p:cSld>
     <p:bg>
@@ -24554,7 +24805,7 @@
                 <a:tabLst/>
                 <a:defRPr/>
               </a:pPr>
-              <a:t>39</a:t>
+              <a:t>40</a:t>
             </a:fld>
             <a:endParaRPr kumimoji="0" lang="en-US" altLang="ko-KR" sz="1200" b="0" i="0" u="none" strike="noStrike" kern="1200" cap="none" spc="0" normalizeH="0" baseline="0" noProof="0">
               <a:ln>
@@ -24853,156 +25104,6 @@
   </p:cSld>
   <p:clrMapOvr>
     <a:overrideClrMapping bg1="lt1" tx1="dk1" bg2="lt2" tx2="dk2" accent1="accent1" accent2="accent2" accent3="accent3" accent4="accent4" accent5="accent5" accent6="accent6" hlink="hlink" folHlink="folHlink"/>
-  </p:clrMapOvr>
-</p:sld>
-</file>
-
-<file path=ppt/slides/slide4.xml><?xml version="1.0" encoding="utf-8"?>
-<p:sld xmlns:a="http://schemas.openxmlformats.org/drawingml/2006/main" xmlns:r="http://schemas.openxmlformats.org/officeDocument/2006/relationships" xmlns:p="http://schemas.openxmlformats.org/presentationml/2006/main">
-  <p:cSld>
-    <p:spTree>
-      <p:nvGrpSpPr>
-        <p:cNvPr id="1" name=""/>
-        <p:cNvGrpSpPr/>
-        <p:nvPr/>
-      </p:nvGrpSpPr>
-      <p:grpSpPr>
-        <a:xfrm>
-          <a:off x="0" y="0"/>
-          <a:ext cx="0" cy="0"/>
-          <a:chOff x="0" y="0"/>
-          <a:chExt cx="0" cy="0"/>
-        </a:xfrm>
-      </p:grpSpPr>
-      <p:sp>
-        <p:nvSpPr>
-          <p:cNvPr id="2" name="Title 1"/>
-          <p:cNvSpPr>
-            <a:spLocks noGrp="1"/>
-          </p:cNvSpPr>
-          <p:nvPr>
-            <p:ph type="title"/>
-          </p:nvPr>
-        </p:nvSpPr>
-        <p:spPr/>
-        <p:txBody>
-          <a:bodyPr/>
-          <a:lstStyle/>
-          <a:p>
-            <a:r>
-              <a:rPr lang="en-US" dirty="0">
-                <a:latin typeface="Corbel" panose="020B0503020204020204" pitchFamily="34" charset="0"/>
-              </a:rPr>
-              <a:t>Monte Carlo In A Nutshell</a:t>
-            </a:r>
-          </a:p>
-        </p:txBody>
-      </p:sp>
-      <p:sp>
-        <p:nvSpPr>
-          <p:cNvPr id="3" name="Content Placeholder 2"/>
-          <p:cNvSpPr>
-            <a:spLocks noGrp="1"/>
-          </p:cNvSpPr>
-          <p:nvPr>
-            <p:ph idx="1"/>
-          </p:nvPr>
-        </p:nvSpPr>
-        <p:spPr/>
-        <p:txBody>
-          <a:bodyPr/>
-          <a:lstStyle/>
-          <a:p>
-            <a:r>
-              <a:rPr lang="en-US" dirty="0">
-                <a:latin typeface="Corbel" panose="020B0503020204020204" pitchFamily="34" charset="0"/>
-              </a:rPr>
-              <a:t>Using a large number of simulated trials in order to  approximate a solution to a problem</a:t>
-            </a:r>
-          </a:p>
-          <a:p>
-            <a:r>
-              <a:rPr lang="en-US" dirty="0">
-                <a:latin typeface="Corbel" panose="020B0503020204020204" pitchFamily="34" charset="0"/>
-              </a:rPr>
-              <a:t>Generating random numbers</a:t>
-            </a:r>
-          </a:p>
-          <a:p>
-            <a:pPr lvl="1"/>
-            <a:r>
-              <a:rPr lang="en-US" dirty="0">
-                <a:latin typeface="Corbel" panose="020B0503020204020204" pitchFamily="34" charset="0"/>
-              </a:rPr>
-              <a:t>Computer not required, though extremely helpful  </a:t>
-            </a:r>
-          </a:p>
-          <a:p>
-            <a:pPr lvl="1">
-              <a:buNone/>
-            </a:pPr>
-            <a:endParaRPr lang="en-US" dirty="0">
-              <a:latin typeface="Corbel" panose="020B0503020204020204" pitchFamily="34" charset="0"/>
-            </a:endParaRPr>
-          </a:p>
-        </p:txBody>
-      </p:sp>
-      <p:pic>
-        <p:nvPicPr>
-          <p:cNvPr id="3074" name="Picture 2" descr="C:\Users\Stew\AppData\Local\Microsoft\Windows\Temporary Internet Files\Content.IE5\3U11F6ZG\MC900434786[1].png"/>
-          <p:cNvPicPr>
-            <a:picLocks noChangeAspect="1" noChangeArrowheads="1"/>
-          </p:cNvPicPr>
-          <p:nvPr/>
-        </p:nvPicPr>
-        <p:blipFill>
-          <a:blip r:embed="rId3" cstate="print"/>
-          <a:srcRect/>
-          <a:stretch>
-            <a:fillRect/>
-          </a:stretch>
-        </p:blipFill>
-        <p:spPr bwMode="auto">
-          <a:xfrm>
-            <a:off x="6542088" y="4289425"/>
-            <a:ext cx="1828800" cy="1828800"/>
-          </a:xfrm>
-          <a:prstGeom prst="rect">
-            <a:avLst/>
-          </a:prstGeom>
-          <a:noFill/>
-        </p:spPr>
-      </p:pic>
-      <p:pic>
-        <p:nvPicPr>
-          <p:cNvPr id="3075" name="Picture 3" descr="C:\Program Files\Microsoft Office\MEDIA\CAGCAT10\j0285750.wmf"/>
-          <p:cNvPicPr>
-            <a:picLocks noChangeAspect="1" noChangeArrowheads="1"/>
-          </p:cNvPicPr>
-          <p:nvPr/>
-        </p:nvPicPr>
-        <p:blipFill>
-          <a:blip r:embed="rId4" cstate="print"/>
-          <a:srcRect/>
-          <a:stretch>
-            <a:fillRect/>
-          </a:stretch>
-        </p:blipFill>
-        <p:spPr bwMode="auto">
-          <a:xfrm>
-            <a:off x="2063750" y="4629150"/>
-            <a:ext cx="1824038" cy="1120775"/>
-          </a:xfrm>
-          <a:prstGeom prst="rect">
-            <a:avLst/>
-          </a:prstGeom>
-          <a:noFill/>
-        </p:spPr>
-      </p:pic>
-    </p:spTree>
-  </p:cSld>
-  <p:clrMapOvr>
-    <a:masterClrMapping/>
   </p:clrMapOvr>
 </p:sld>
 </file>
